--- a/Task_1/Group3/Task1_presentation_G3.pptx
+++ b/Task_1/Group3/Task1_presentation_G3.pptx
@@ -16752,7 +16752,7 @@
         <p:spPr>
           <a:xfrm>
             <a:off x="831850" y="3079119"/>
-            <a:ext cx="4413250" cy="1086481"/>
+            <a:ext cx="4557660" cy="1910719"/>
           </a:xfrm>
         </p:spPr>
         <p:txBody>
@@ -16761,14 +16761,74 @@
           <a:p>
             <a:r>
               <a:rPr lang="en-US" b="1" dirty="0"/>
-              <a:t>​Habiba Mowafy</a:t>
+              <a:t>Habiba El-</a:t>
             </a:r>
-          </a:p>
-          <a:p>
+            <a:r>
+              <a:rPr lang="en-US" b="1" dirty="0" err="1"/>
+              <a:t>sayed</a:t>
+            </a:r>
             <a:r>
               <a:rPr lang="en-US" b="1" dirty="0"/>
-              <a:t>Omar Mamon</a:t>
+              <a:t> </a:t>
             </a:r>
+            <a:r>
+              <a:rPr lang="en-US" b="1" dirty="0" err="1"/>
+              <a:t>Mowafy</a:t>
+            </a:r>
+            <a:endParaRPr lang="ar-EG" b="1" dirty="0"/>
+          </a:p>
+          <a:p>
+            <a:r>
+              <a:rPr lang="en-US" b="1" dirty="0"/>
+              <a:t>Omar </a:t>
+            </a:r>
+            <a:r>
+              <a:rPr lang="en-US" b="1" dirty="0" err="1"/>
+              <a:t>Mamon</a:t>
+            </a:r>
+            <a:r>
+              <a:rPr lang="en-US" b="1" dirty="0"/>
+              <a:t> Hamed</a:t>
+            </a:r>
+          </a:p>
+          <a:p>
+            <a:r>
+              <a:rPr lang="en-US" b="1" dirty="0"/>
+              <a:t>Mostafa Mohammed </a:t>
+            </a:r>
+            <a:r>
+              <a:rPr lang="en-US" b="1" dirty="0" err="1"/>
+              <a:t>elsyed</a:t>
+            </a:r>
+            <a:r>
+              <a:rPr lang="en-US" b="1" dirty="0"/>
+              <a:t> </a:t>
+            </a:r>
+            <a:r>
+              <a:rPr lang="en-US" b="1" dirty="0" err="1"/>
+              <a:t>salama</a:t>
+            </a:r>
+            <a:r>
+              <a:rPr lang="ar-EG" b="1" dirty="0"/>
+              <a:t> * </a:t>
+            </a:r>
+          </a:p>
+          <a:p>
+            <a:r>
+              <a:rPr lang="en-US" b="1" dirty="0"/>
+              <a:t>Ahmed </a:t>
+            </a:r>
+            <a:r>
+              <a:rPr lang="en-US" b="1" dirty="0" err="1"/>
+              <a:t>Abdelgleel</a:t>
+            </a:r>
+            <a:r>
+              <a:rPr lang="ar-EG" b="1" dirty="0"/>
+              <a:t>* </a:t>
+            </a:r>
+          </a:p>
+          <a:p>
+            <a:endParaRPr lang="en-US" b="1" dirty="0"/>
           </a:p>
         </p:txBody>
       </p:sp>
@@ -17691,13 +17751,13 @@
   <p:clrMapOvr>
     <a:masterClrMapping/>
   </p:clrMapOvr>
-  <mc:AlternateContent xmlns:mc="http://schemas.openxmlformats.org/markup-compatibility/2006">
-    <mc:Choice xmlns:p159="http://schemas.microsoft.com/office/powerpoint/2015/09/main" Requires="p159">
+  <mc:AlternateContent xmlns:mc="http://schemas.openxmlformats.org/markup-compatibility/2006" xmlns:p159="http://schemas.microsoft.com/office/powerpoint/2015/09/main">
+    <mc:Choice Requires="p159">
       <p:transition xmlns:p14="http://schemas.microsoft.com/office/powerpoint/2010/main" spd="slow" p14:dur="2000">
         <p159:morph option="byObject"/>
       </p:transition>
     </mc:Choice>
-    <mc:Fallback>
+    <mc:Fallback xmlns="">
       <p:transition spd="slow">
         <p:fade/>
       </p:transition>
@@ -18102,13 +18162,13 @@
   <p:clrMapOvr>
     <a:masterClrMapping/>
   </p:clrMapOvr>
-  <mc:AlternateContent xmlns:mc="http://schemas.openxmlformats.org/markup-compatibility/2006">
-    <mc:Choice xmlns:p159="http://schemas.microsoft.com/office/powerpoint/2015/09/main" Requires="p159">
+  <mc:AlternateContent xmlns:mc="http://schemas.openxmlformats.org/markup-compatibility/2006" xmlns:p159="http://schemas.microsoft.com/office/powerpoint/2015/09/main">
+    <mc:Choice Requires="p159">
       <p:transition xmlns:p14="http://schemas.microsoft.com/office/powerpoint/2010/main" spd="slow" p14:dur="2000">
         <p159:morph option="byObject"/>
       </p:transition>
     </mc:Choice>
-    <mc:Fallback>
+    <mc:Fallback xmlns="">
       <p:transition spd="slow">
         <p:fade/>
       </p:transition>
@@ -19595,13 +19655,13 @@
   <p:clrMapOvr>
     <a:masterClrMapping/>
   </p:clrMapOvr>
-  <mc:AlternateContent xmlns:mc="http://schemas.openxmlformats.org/markup-compatibility/2006">
-    <mc:Choice xmlns:p159="http://schemas.microsoft.com/office/powerpoint/2015/09/main" Requires="p159">
+  <mc:AlternateContent xmlns:mc="http://schemas.openxmlformats.org/markup-compatibility/2006" xmlns:p159="http://schemas.microsoft.com/office/powerpoint/2015/09/main">
+    <mc:Choice Requires="p159">
       <p:transition xmlns:p14="http://schemas.microsoft.com/office/powerpoint/2010/main" spd="slow" p14:dur="2000">
         <p159:morph option="byObject"/>
       </p:transition>
     </mc:Choice>
-    <mc:Fallback>
+    <mc:Fallback xmlns="">
       <p:transition spd="slow">
         <p:fade/>
       </p:transition>
@@ -20035,13 +20095,13 @@
   <p:clrMapOvr>
     <a:masterClrMapping/>
   </p:clrMapOvr>
-  <mc:AlternateContent xmlns:mc="http://schemas.openxmlformats.org/markup-compatibility/2006">
-    <mc:Choice xmlns:p159="http://schemas.microsoft.com/office/powerpoint/2015/09/main" Requires="p159">
+  <mc:AlternateContent xmlns:mc="http://schemas.openxmlformats.org/markup-compatibility/2006" xmlns:p159="http://schemas.microsoft.com/office/powerpoint/2015/09/main">
+    <mc:Choice Requires="p159">
       <p:transition xmlns:p14="http://schemas.microsoft.com/office/powerpoint/2010/main" spd="slow" p14:dur="2000">
         <p159:morph option="byObject"/>
       </p:transition>
     </mc:Choice>
-    <mc:Fallback>
+    <mc:Fallback xmlns="">
       <p:transition spd="slow">
         <p:fade/>
       </p:transition>
@@ -22850,6 +22910,15 @@
 </file>
 
 <file path=customXml/item1.xml><?xml version="1.0" encoding="utf-8"?>
+<?mso-contentType ?>
+<FormTemplates xmlns="http://schemas.microsoft.com/sharepoint/v3/contenttype/forms">
+  <Display>DocumentLibraryForm</Display>
+  <Edit>DocumentLibraryForm</Edit>
+  <New>DocumentLibraryForm</New>
+</FormTemplates>
+</file>
+
+<file path=customXml/item2.xml><?xml version="1.0" encoding="utf-8"?>
 <ct:contentTypeSchema xmlns:ct="http://schemas.microsoft.com/office/2006/metadata/contentType" xmlns:ma="http://schemas.microsoft.com/office/2006/metadata/properties/metaAttributes" ct:_="" ma:_="" ma:contentTypeName="Document" ma:contentTypeID="0x01010079F111ED35F8CC479449609E8A0923A6" ma:contentTypeVersion="28" ma:contentTypeDescription="Create a new document." ma:contentTypeScope="" ma:versionID="60f5a4f2d2b0abadcf532d48ebf9cb71">
   <xsd:schema xmlns:xsd="http://www.w3.org/2001/XMLSchema" xmlns:xs="http://www.w3.org/2001/XMLSchema" xmlns:p="http://schemas.microsoft.com/office/2006/metadata/properties" xmlns:ns1="http://schemas.microsoft.com/sharepoint/v3" xmlns:ns2="71af3243-3dd4-4a8d-8c0d-dd76da1f02a5" xmlns:ns3="16c05727-aa75-4e4a-9b5f-8a80a1165891" xmlns:ns4="230e9df3-be65-4c73-a93b-d1236ebd677e" targetNamespace="http://schemas.microsoft.com/office/2006/metadata/properties" ma:root="true" ma:fieldsID="7dd78129e6a1811f84807ad11c651531" ns1:_="" ns2:_="" ns3:_="" ns4:_="">
     <xsd:import namespace="http://schemas.microsoft.com/sharepoint/v3"/>
@@ -23161,15 +23230,6 @@
 </ct:contentTypeSchema>
 </file>
 
-<file path=customXml/item2.xml><?xml version="1.0" encoding="utf-8"?>
-<?mso-contentType ?>
-<FormTemplates xmlns="http://schemas.microsoft.com/sharepoint/v3/contenttype/forms">
-  <Display>DocumentLibraryForm</Display>
-  <Edit>DocumentLibraryForm</Edit>
-  <New>DocumentLibraryForm</New>
-</FormTemplates>
-</file>
-
 <file path=customXml/item3.xml><?xml version="1.0" encoding="utf-8"?>
 <p:properties xmlns:p="http://schemas.microsoft.com/office/2006/metadata/properties" xmlns:xsi="http://www.w3.org/2001/XMLSchema-instance" xmlns:pc="http://schemas.microsoft.com/office/infopath/2007/PartnerControls">
   <documentManagement>
@@ -23191,6 +23251,14 @@
 </file>
 
 <file path=customXml/itemProps1.xml><?xml version="1.0" encoding="utf-8"?>
+<ds:datastoreItem xmlns:ds="http://schemas.openxmlformats.org/officeDocument/2006/customXml" ds:itemID="{44137456-21FC-4AE2-8A94-BF06CAF2EB9B}">
+  <ds:schemaRefs>
+    <ds:schemaRef ds:uri="http://schemas.microsoft.com/sharepoint/v3/contenttype/forms"/>
+  </ds:schemaRefs>
+</ds:datastoreItem>
+</file>
+
+<file path=customXml/itemProps2.xml><?xml version="1.0" encoding="utf-8"?>
 <ds:datastoreItem xmlns:ds="http://schemas.openxmlformats.org/officeDocument/2006/customXml" ds:itemID="{C77B561B-3A65-4A22-9691-EB838E7F9B87}">
   <ds:schemaRefs>
     <ds:schemaRef ds:uri="http://schemas.microsoft.com/office/2006/metadata/contentType"/>
@@ -23211,14 +23279,6 @@
 </ds:datastoreItem>
 </file>
 
-<file path=customXml/itemProps2.xml><?xml version="1.0" encoding="utf-8"?>
-<ds:datastoreItem xmlns:ds="http://schemas.openxmlformats.org/officeDocument/2006/customXml" ds:itemID="{44137456-21FC-4AE2-8A94-BF06CAF2EB9B}">
-  <ds:schemaRefs>
-    <ds:schemaRef ds:uri="http://schemas.microsoft.com/sharepoint/v3/contenttype/forms"/>
-  </ds:schemaRefs>
-</ds:datastoreItem>
-</file>
-
 <file path=customXml/itemProps3.xml><?xml version="1.0" encoding="utf-8"?>
 <ds:datastoreItem xmlns:ds="http://schemas.openxmlformats.org/officeDocument/2006/customXml" ds:itemID="{E305301E-11B3-4B9D-A588-21F3C9809371}">
   <ds:schemaRefs>
